--- a/diagrams/diagrams.pptx
+++ b/diagrams/diagrams.pptx
@@ -210,7 +210,7 @@
           <a:p>
             <a:fld id="{F7C6D7A8-37AF-4A0B-A72B-1C12B9FE4D41}" type="datetimeFigureOut">
               <a:rPr lang="en-US" smtClean="0"/>
-              <a:t>4/12/2021</a:t>
+              <a:t>5/18/21</a:t>
             </a:fld>
             <a:endParaRPr lang="en-US"/>
           </a:p>
@@ -543,7 +543,7 @@
             <a:fld id="{1D8BD707-D9CF-40AE-B4C6-C98DA3205C09}" type="datetimeFigureOut">
               <a:rPr lang="en-US" smtClean="0"/>
               <a:pPr/>
-              <a:t>4/12/2021</a:t>
+              <a:t>5/18/21</a:t>
             </a:fld>
             <a:endParaRPr lang="en-US"/>
           </a:p>
@@ -718,7 +718,7 @@
             <a:fld id="{1D8BD707-D9CF-40AE-B4C6-C98DA3205C09}" type="datetimeFigureOut">
               <a:rPr lang="en-US" smtClean="0"/>
               <a:pPr/>
-              <a:t>4/12/2021</a:t>
+              <a:t>5/18/21</a:t>
             </a:fld>
             <a:endParaRPr lang="en-US"/>
           </a:p>
@@ -995,7 +995,7 @@
             <a:fld id="{1D8BD707-D9CF-40AE-B4C6-C98DA3205C09}" type="datetimeFigureOut">
               <a:rPr lang="en-US" smtClean="0"/>
               <a:pPr/>
-              <a:t>4/12/2021</a:t>
+              <a:t>5/18/21</a:t>
             </a:fld>
             <a:endParaRPr lang="en-US"/>
           </a:p>
@@ -1249,7 +1249,7 @@
             <a:fld id="{1D8BD707-D9CF-40AE-B4C6-C98DA3205C09}" type="datetimeFigureOut">
               <a:rPr lang="en-US" smtClean="0"/>
               <a:pPr/>
-              <a:t>4/12/2021</a:t>
+              <a:t>5/18/21</a:t>
             </a:fld>
             <a:endParaRPr lang="en-US"/>
           </a:p>
@@ -1419,7 +1419,7 @@
             <a:fld id="{1D8BD707-D9CF-40AE-B4C6-C98DA3205C09}" type="datetimeFigureOut">
               <a:rPr lang="en-US" smtClean="0"/>
               <a:pPr/>
-              <a:t>4/12/2021</a:t>
+              <a:t>5/18/21</a:t>
             </a:fld>
             <a:endParaRPr lang="en-US"/>
           </a:p>
@@ -1599,7 +1599,7 @@
             <a:fld id="{1D8BD707-D9CF-40AE-B4C6-C98DA3205C09}" type="datetimeFigureOut">
               <a:rPr lang="en-US" smtClean="0"/>
               <a:pPr/>
-              <a:t>4/12/2021</a:t>
+              <a:t>5/18/21</a:t>
             </a:fld>
             <a:endParaRPr lang="en-US"/>
           </a:p>
@@ -1790,7 +1790,7 @@
           <a:p>
             <a:fld id="{68B6C288-4797-4207-92F3-FCA05817CF50}" type="datetimeFigureOut">
               <a:rPr lang="en-US" smtClean="0"/>
-              <a:t>4/12/2021</a:t>
+              <a:t>5/18/21</a:t>
             </a:fld>
             <a:endParaRPr lang="en-US"/>
           </a:p>
@@ -2036,7 +2036,7 @@
             <a:fld id="{1D8BD707-D9CF-40AE-B4C6-C98DA3205C09}" type="datetimeFigureOut">
               <a:rPr lang="en-US" smtClean="0"/>
               <a:pPr/>
-              <a:t>4/12/2021</a:t>
+              <a:t>5/18/21</a:t>
             </a:fld>
             <a:endParaRPr lang="en-US"/>
           </a:p>
@@ -2206,7 +2206,7 @@
             <a:fld id="{1D8BD707-D9CF-40AE-B4C6-C98DA3205C09}" type="datetimeFigureOut">
               <a:rPr lang="en-US" smtClean="0"/>
               <a:pPr/>
-              <a:t>4/12/2021</a:t>
+              <a:t>5/18/21</a:t>
             </a:fld>
             <a:endParaRPr lang="en-US"/>
           </a:p>
@@ -2461,7 +2461,7 @@
             <a:fld id="{1D8BD707-D9CF-40AE-B4C6-C98DA3205C09}" type="datetimeFigureOut">
               <a:rPr lang="en-US" smtClean="0"/>
               <a:pPr/>
-              <a:t>4/12/2021</a:t>
+              <a:t>5/18/21</a:t>
             </a:fld>
             <a:endParaRPr lang="en-US"/>
           </a:p>
@@ -2712,7 +2712,7 @@
             <a:fld id="{1D8BD707-D9CF-40AE-B4C6-C98DA3205C09}" type="datetimeFigureOut">
               <a:rPr lang="en-US" smtClean="0"/>
               <a:pPr/>
-              <a:t>4/12/2021</a:t>
+              <a:t>5/18/21</a:t>
             </a:fld>
             <a:endParaRPr lang="en-US"/>
           </a:p>
@@ -2963,7 +2963,7 @@
             <a:fld id="{1D8BD707-D9CF-40AE-B4C6-C98DA3205C09}" type="datetimeFigureOut">
               <a:rPr lang="en-US" smtClean="0"/>
               <a:pPr/>
-              <a:t>4/12/2021</a:t>
+              <a:t>5/18/21</a:t>
             </a:fld>
             <a:endParaRPr lang="en-US"/>
           </a:p>
@@ -3250,7 +3250,7 @@
             <a:fld id="{1D8BD707-D9CF-40AE-B4C6-C98DA3205C09}" type="datetimeFigureOut">
               <a:rPr lang="en-US" smtClean="0"/>
               <a:pPr/>
-              <a:t>4/12/2021</a:t>
+              <a:t>5/18/21</a:t>
             </a:fld>
             <a:endParaRPr lang="en-US"/>
           </a:p>
@@ -3671,7 +3671,7 @@
             <a:fld id="{1D8BD707-D9CF-40AE-B4C6-C98DA3205C09}" type="datetimeFigureOut">
               <a:rPr lang="en-US" smtClean="0"/>
               <a:pPr/>
-              <a:t>4/12/2021</a:t>
+              <a:t>5/18/21</a:t>
             </a:fld>
             <a:endParaRPr lang="en-US"/>
           </a:p>
@@ -3790,7 +3790,7 @@
             <a:fld id="{1D8BD707-D9CF-40AE-B4C6-C98DA3205C09}" type="datetimeFigureOut">
               <a:rPr lang="en-US" smtClean="0"/>
               <a:pPr/>
-              <a:t>4/12/2021</a:t>
+              <a:t>5/18/21</a:t>
             </a:fld>
             <a:endParaRPr lang="en-US"/>
           </a:p>
@@ -4003,7 +4003,7 @@
             <a:fld id="{1D8BD707-D9CF-40AE-B4C6-C98DA3205C09}" type="datetimeFigureOut">
               <a:rPr lang="en-US" smtClean="0"/>
               <a:pPr/>
-              <a:t>4/12/2021</a:t>
+              <a:t>5/18/21</a:t>
             </a:fld>
             <a:endParaRPr lang="en-US"/>
           </a:p>
@@ -7134,9 +7134,14 @@
           <a:prstGeom prst="rect">
             <a:avLst/>
           </a:prstGeom>
-          <a:solidFill>
-            <a:schemeClr val="accent1"/>
-          </a:solidFill>
+          <a:pattFill prst="lgCheck">
+            <a:fgClr>
+              <a:schemeClr val="accent1"/>
+            </a:fgClr>
+            <a:bgClr>
+              <a:schemeClr val="bg1"/>
+            </a:bgClr>
+          </a:pattFill>
         </p:spPr>
         <p:style>
           <a:lnRef idx="2">
@@ -7183,9 +7188,14 @@
           <a:prstGeom prst="rect">
             <a:avLst/>
           </a:prstGeom>
-          <a:solidFill>
-            <a:schemeClr val="accent3"/>
-          </a:solidFill>
+          <a:pattFill prst="lgCheck">
+            <a:fgClr>
+              <a:schemeClr val="accent3"/>
+            </a:fgClr>
+            <a:bgClr>
+              <a:schemeClr val="bg1"/>
+            </a:bgClr>
+          </a:pattFill>
         </p:spPr>
         <p:style>
           <a:lnRef idx="2">

--- a/diagrams/diagrams.pptx
+++ b/diagrams/diagrams.pptx
@@ -210,7 +210,7 @@
           <a:p>
             <a:fld id="{F7C6D7A8-37AF-4A0B-A72B-1C12B9FE4D41}" type="datetimeFigureOut">
               <a:rPr lang="en-US" smtClean="0"/>
-              <a:t>5/18/21</a:t>
+              <a:t>5/22/21</a:t>
             </a:fld>
             <a:endParaRPr lang="en-US"/>
           </a:p>
@@ -543,7 +543,7 @@
             <a:fld id="{1D8BD707-D9CF-40AE-B4C6-C98DA3205C09}" type="datetimeFigureOut">
               <a:rPr lang="en-US" smtClean="0"/>
               <a:pPr/>
-              <a:t>5/18/21</a:t>
+              <a:t>5/22/21</a:t>
             </a:fld>
             <a:endParaRPr lang="en-US"/>
           </a:p>
@@ -718,7 +718,7 @@
             <a:fld id="{1D8BD707-D9CF-40AE-B4C6-C98DA3205C09}" type="datetimeFigureOut">
               <a:rPr lang="en-US" smtClean="0"/>
               <a:pPr/>
-              <a:t>5/18/21</a:t>
+              <a:t>5/22/21</a:t>
             </a:fld>
             <a:endParaRPr lang="en-US"/>
           </a:p>
@@ -995,7 +995,7 @@
             <a:fld id="{1D8BD707-D9CF-40AE-B4C6-C98DA3205C09}" type="datetimeFigureOut">
               <a:rPr lang="en-US" smtClean="0"/>
               <a:pPr/>
-              <a:t>5/18/21</a:t>
+              <a:t>5/22/21</a:t>
             </a:fld>
             <a:endParaRPr lang="en-US"/>
           </a:p>
@@ -1249,7 +1249,7 @@
             <a:fld id="{1D8BD707-D9CF-40AE-B4C6-C98DA3205C09}" type="datetimeFigureOut">
               <a:rPr lang="en-US" smtClean="0"/>
               <a:pPr/>
-              <a:t>5/18/21</a:t>
+              <a:t>5/22/21</a:t>
             </a:fld>
             <a:endParaRPr lang="en-US"/>
           </a:p>
@@ -1419,7 +1419,7 @@
             <a:fld id="{1D8BD707-D9CF-40AE-B4C6-C98DA3205C09}" type="datetimeFigureOut">
               <a:rPr lang="en-US" smtClean="0"/>
               <a:pPr/>
-              <a:t>5/18/21</a:t>
+              <a:t>5/22/21</a:t>
             </a:fld>
             <a:endParaRPr lang="en-US"/>
           </a:p>
@@ -1599,7 +1599,7 @@
             <a:fld id="{1D8BD707-D9CF-40AE-B4C6-C98DA3205C09}" type="datetimeFigureOut">
               <a:rPr lang="en-US" smtClean="0"/>
               <a:pPr/>
-              <a:t>5/18/21</a:t>
+              <a:t>5/22/21</a:t>
             </a:fld>
             <a:endParaRPr lang="en-US"/>
           </a:p>
@@ -1790,7 +1790,7 @@
           <a:p>
             <a:fld id="{68B6C288-4797-4207-92F3-FCA05817CF50}" type="datetimeFigureOut">
               <a:rPr lang="en-US" smtClean="0"/>
-              <a:t>5/18/21</a:t>
+              <a:t>5/22/21</a:t>
             </a:fld>
             <a:endParaRPr lang="en-US"/>
           </a:p>
@@ -2036,7 +2036,7 @@
             <a:fld id="{1D8BD707-D9CF-40AE-B4C6-C98DA3205C09}" type="datetimeFigureOut">
               <a:rPr lang="en-US" smtClean="0"/>
               <a:pPr/>
-              <a:t>5/18/21</a:t>
+              <a:t>5/22/21</a:t>
             </a:fld>
             <a:endParaRPr lang="en-US"/>
           </a:p>
@@ -2206,7 +2206,7 @@
             <a:fld id="{1D8BD707-D9CF-40AE-B4C6-C98DA3205C09}" type="datetimeFigureOut">
               <a:rPr lang="en-US" smtClean="0"/>
               <a:pPr/>
-              <a:t>5/18/21</a:t>
+              <a:t>5/22/21</a:t>
             </a:fld>
             <a:endParaRPr lang="en-US"/>
           </a:p>
@@ -2461,7 +2461,7 @@
             <a:fld id="{1D8BD707-D9CF-40AE-B4C6-C98DA3205C09}" type="datetimeFigureOut">
               <a:rPr lang="en-US" smtClean="0"/>
               <a:pPr/>
-              <a:t>5/18/21</a:t>
+              <a:t>5/22/21</a:t>
             </a:fld>
             <a:endParaRPr lang="en-US"/>
           </a:p>
@@ -2712,7 +2712,7 @@
             <a:fld id="{1D8BD707-D9CF-40AE-B4C6-C98DA3205C09}" type="datetimeFigureOut">
               <a:rPr lang="en-US" smtClean="0"/>
               <a:pPr/>
-              <a:t>5/18/21</a:t>
+              <a:t>5/22/21</a:t>
             </a:fld>
             <a:endParaRPr lang="en-US"/>
           </a:p>
@@ -2963,7 +2963,7 @@
             <a:fld id="{1D8BD707-D9CF-40AE-B4C6-C98DA3205C09}" type="datetimeFigureOut">
               <a:rPr lang="en-US" smtClean="0"/>
               <a:pPr/>
-              <a:t>5/18/21</a:t>
+              <a:t>5/22/21</a:t>
             </a:fld>
             <a:endParaRPr lang="en-US"/>
           </a:p>
@@ -3250,7 +3250,7 @@
             <a:fld id="{1D8BD707-D9CF-40AE-B4C6-C98DA3205C09}" type="datetimeFigureOut">
               <a:rPr lang="en-US" smtClean="0"/>
               <a:pPr/>
-              <a:t>5/18/21</a:t>
+              <a:t>5/22/21</a:t>
             </a:fld>
             <a:endParaRPr lang="en-US"/>
           </a:p>
@@ -3671,7 +3671,7 @@
             <a:fld id="{1D8BD707-D9CF-40AE-B4C6-C98DA3205C09}" type="datetimeFigureOut">
               <a:rPr lang="en-US" smtClean="0"/>
               <a:pPr/>
-              <a:t>5/18/21</a:t>
+              <a:t>5/22/21</a:t>
             </a:fld>
             <a:endParaRPr lang="en-US"/>
           </a:p>
@@ -3790,7 +3790,7 @@
             <a:fld id="{1D8BD707-D9CF-40AE-B4C6-C98DA3205C09}" type="datetimeFigureOut">
               <a:rPr lang="en-US" smtClean="0"/>
               <a:pPr/>
-              <a:t>5/18/21</a:t>
+              <a:t>5/22/21</a:t>
             </a:fld>
             <a:endParaRPr lang="en-US"/>
           </a:p>
@@ -4003,7 +4003,7 @@
             <a:fld id="{1D8BD707-D9CF-40AE-B4C6-C98DA3205C09}" type="datetimeFigureOut">
               <a:rPr lang="en-US" smtClean="0"/>
               <a:pPr/>
-              <a:t>5/18/21</a:t>
+              <a:t>5/22/21</a:t>
             </a:fld>
             <a:endParaRPr lang="en-US"/>
           </a:p>
@@ -4390,52 +4390,6 @@
       </p:grpSpPr>
       <p:sp>
         <p:nvSpPr>
-          <p:cNvPr id="4" name="Rectangle 3">
-            <a:extLst>
-              <a:ext uri="{FF2B5EF4-FFF2-40B4-BE49-F238E27FC236}">
-                <a16:creationId xmlns:a16="http://schemas.microsoft.com/office/drawing/2014/main" id="{1E901A6B-1DDE-4646-9CAD-FF019BE95BEE}"/>
-              </a:ext>
-            </a:extLst>
-          </p:cNvPr>
-          <p:cNvSpPr/>
-          <p:nvPr/>
-        </p:nvSpPr>
-        <p:spPr>
-          <a:xfrm>
-            <a:off x="2743200" y="1428750"/>
-            <a:ext cx="1676400" cy="228600"/>
-          </a:xfrm>
-          <a:prstGeom prst="rect">
-            <a:avLst/>
-          </a:prstGeom>
-        </p:spPr>
-        <p:style>
-          <a:lnRef idx="2">
-            <a:schemeClr val="accent1">
-              <a:shade val="50000"/>
-            </a:schemeClr>
-          </a:lnRef>
-          <a:fillRef idx="1">
-            <a:schemeClr val="accent1"/>
-          </a:fillRef>
-          <a:effectRef idx="0">
-            <a:schemeClr val="accent1"/>
-          </a:effectRef>
-          <a:fontRef idx="minor">
-            <a:schemeClr val="lt1"/>
-          </a:fontRef>
-        </p:style>
-        <p:txBody>
-          <a:bodyPr rtlCol="0" anchor="ctr"/>
-          <a:lstStyle/>
-          <a:p>
-            <a:pPr algn="ctr"/>
-            <a:endParaRPr lang="en-US"/>
-          </a:p>
-        </p:txBody>
-      </p:sp>
-      <p:sp>
-        <p:nvSpPr>
           <p:cNvPr id="5" name="Rectangle 4">
             <a:extLst>
               <a:ext uri="{FF2B5EF4-FFF2-40B4-BE49-F238E27FC236}">
@@ -4448,8 +4402,8 @@
         </p:nvSpPr>
         <p:spPr>
           <a:xfrm>
-            <a:off x="4419600" y="1428750"/>
-            <a:ext cx="838200" cy="228600"/>
+            <a:off x="2743200" y="2152650"/>
+            <a:ext cx="2514600" cy="228600"/>
           </a:xfrm>
           <a:prstGeom prst="rect">
             <a:avLst/>
@@ -4490,52 +4444,6 @@
       </p:sp>
       <p:sp>
         <p:nvSpPr>
-          <p:cNvPr id="6" name="Rectangle 5">
-            <a:extLst>
-              <a:ext uri="{FF2B5EF4-FFF2-40B4-BE49-F238E27FC236}">
-                <a16:creationId xmlns:a16="http://schemas.microsoft.com/office/drawing/2014/main" id="{F8A97B1E-609A-4648-B525-8911E575800E}"/>
-              </a:ext>
-            </a:extLst>
-          </p:cNvPr>
-          <p:cNvSpPr/>
-          <p:nvPr/>
-        </p:nvSpPr>
-        <p:spPr>
-          <a:xfrm>
-            <a:off x="2743200" y="1733550"/>
-            <a:ext cx="1676400" cy="228600"/>
-          </a:xfrm>
-          <a:prstGeom prst="rect">
-            <a:avLst/>
-          </a:prstGeom>
-        </p:spPr>
-        <p:style>
-          <a:lnRef idx="2">
-            <a:schemeClr val="accent3">
-              <a:shade val="50000"/>
-            </a:schemeClr>
-          </a:lnRef>
-          <a:fillRef idx="1">
-            <a:schemeClr val="accent3"/>
-          </a:fillRef>
-          <a:effectRef idx="0">
-            <a:schemeClr val="accent3"/>
-          </a:effectRef>
-          <a:fontRef idx="minor">
-            <a:schemeClr val="lt1"/>
-          </a:fontRef>
-        </p:style>
-        <p:txBody>
-          <a:bodyPr rtlCol="0" anchor="ctr"/>
-          <a:lstStyle/>
-          <a:p>
-            <a:pPr algn="ctr"/>
-            <a:endParaRPr lang="en-US"/>
-          </a:p>
-        </p:txBody>
-      </p:sp>
-      <p:sp>
-        <p:nvSpPr>
           <p:cNvPr id="7" name="Rectangle 6">
             <a:extLst>
               <a:ext uri="{FF2B5EF4-FFF2-40B4-BE49-F238E27FC236}">
@@ -4548,12 +4456,20 @@
         </p:nvSpPr>
         <p:spPr>
           <a:xfrm>
-            <a:off x="2743200" y="2038350"/>
+            <a:off x="2743200" y="2762250"/>
             <a:ext cx="1676400" cy="228600"/>
           </a:xfrm>
           <a:prstGeom prst="rect">
             <a:avLst/>
           </a:prstGeom>
+          <a:pattFill prst="lgCheck">
+            <a:fgClr>
+              <a:schemeClr val="accent6"/>
+            </a:fgClr>
+            <a:bgClr>
+              <a:schemeClr val="bg1"/>
+            </a:bgClr>
+          </a:pattFill>
         </p:spPr>
         <p:style>
           <a:lnRef idx="2">
@@ -4594,8 +4510,8 @@
         </p:nvSpPr>
         <p:spPr>
           <a:xfrm>
-            <a:off x="4419600" y="1733550"/>
-            <a:ext cx="838200" cy="228600"/>
+            <a:off x="2743200" y="2457450"/>
+            <a:ext cx="2514600" cy="228600"/>
           </a:xfrm>
           <a:prstGeom prst="rect">
             <a:avLst/>
@@ -4648,8 +4564,8 @@
         </p:nvSpPr>
         <p:spPr>
           <a:xfrm>
-            <a:off x="5257800" y="1352550"/>
-            <a:ext cx="1752600" cy="338554"/>
+            <a:off x="5257800" y="2128451"/>
+            <a:ext cx="1828800" cy="261610"/>
           </a:xfrm>
           <a:prstGeom prst="rect">
             <a:avLst/>
@@ -4663,14 +4579,14 @@
           <a:lstStyle/>
           <a:p>
             <a:r>
-              <a:rPr lang="en-US" sz="1600" dirty="0">
+              <a:rPr lang="en-US" sz="1100" dirty="0">
                 <a:solidFill>
                   <a:schemeClr val="bg2">
                     <a:lumMod val="25000"/>
                   </a:schemeClr>
                 </a:solidFill>
               </a:rPr>
-              <a:t>Video track</a:t>
+              <a:t>Video Track File</a:t>
             </a:r>
           </a:p>
         </p:txBody>
@@ -4689,8 +4605,8 @@
         </p:nvSpPr>
         <p:spPr>
           <a:xfrm>
-            <a:off x="5257800" y="1657350"/>
-            <a:ext cx="1828800" cy="338554"/>
+            <a:off x="5257800" y="2433251"/>
+            <a:ext cx="2305878" cy="261610"/>
           </a:xfrm>
           <a:prstGeom prst="rect">
             <a:avLst/>
@@ -4704,14 +4620,14 @@
           <a:lstStyle/>
           <a:p>
             <a:r>
-              <a:rPr lang="en-US" sz="1600" dirty="0">
+              <a:rPr lang="en-US" sz="1100" dirty="0">
                 <a:solidFill>
                   <a:schemeClr val="bg2">
                     <a:lumMod val="25000"/>
                   </a:schemeClr>
                 </a:solidFill>
               </a:rPr>
-              <a:t>Audio track</a:t>
+              <a:t>Audio Track File</a:t>
             </a:r>
           </a:p>
         </p:txBody>
@@ -4730,8 +4646,8 @@
         </p:nvSpPr>
         <p:spPr>
           <a:xfrm>
-            <a:off x="5257799" y="1962150"/>
-            <a:ext cx="1523993" cy="338554"/>
+            <a:off x="5257799" y="2738051"/>
+            <a:ext cx="1921556" cy="261610"/>
           </a:xfrm>
           <a:prstGeom prst="rect">
             <a:avLst/>
@@ -4745,14 +4661,14 @@
           <a:lstStyle/>
           <a:p>
             <a:r>
-              <a:rPr lang="en-US" sz="1600" dirty="0">
+              <a:rPr lang="en-US" sz="1100" dirty="0">
                 <a:solidFill>
                   <a:schemeClr val="bg2">
                     <a:lumMod val="25000"/>
                   </a:schemeClr>
                 </a:solidFill>
               </a:rPr>
-              <a:t>Subtitle track</a:t>
+              <a:t>Subtitle Track File</a:t>
             </a:r>
           </a:p>
         </p:txBody>
@@ -4771,11 +4687,13 @@
         </p:nvSpPr>
         <p:spPr>
           <a:xfrm>
-            <a:off x="2514600" y="971550"/>
-            <a:ext cx="4191000" cy="1752600"/>
+            <a:off x="1905000" y="742950"/>
+            <a:ext cx="5029200" cy="2590800"/>
           </a:xfrm>
           <a:prstGeom prst="foldedCorner">
-            <a:avLst/>
+            <a:avLst>
+              <a:gd name="adj" fmla="val 7574"/>
+            </a:avLst>
           </a:prstGeom>
           <a:noFill/>
         </p:spPr>
@@ -4804,10 +4722,189 @@
       </p:sp>
       <p:sp>
         <p:nvSpPr>
-          <p:cNvPr id="13" name="Rectangle 12">
+          <p:cNvPr id="15" name="TextBox 14">
             <a:extLst>
               <a:ext uri="{FF2B5EF4-FFF2-40B4-BE49-F238E27FC236}">
-                <a16:creationId xmlns:a16="http://schemas.microsoft.com/office/drawing/2014/main" id="{77D12858-D5DF-4C8C-A501-480336D7C4BF}"/>
+                <a16:creationId xmlns:a16="http://schemas.microsoft.com/office/drawing/2014/main" id="{34F0E8DA-155B-48CA-906E-9251260C55FF}"/>
+              </a:ext>
+            </a:extLst>
+          </p:cNvPr>
+          <p:cNvSpPr txBox="1"/>
+          <p:nvPr/>
+        </p:nvSpPr>
+        <p:spPr>
+          <a:xfrm rot="16200000">
+            <a:off x="742266" y="1784064"/>
+            <a:ext cx="1447802" cy="584775"/>
+          </a:xfrm>
+          <a:prstGeom prst="rect">
+            <a:avLst/>
+          </a:prstGeom>
+          <a:noFill/>
+        </p:spPr>
+        <p:txBody>
+          <a:bodyPr wrap="square">
+            <a:spAutoFit/>
+          </a:bodyPr>
+          <a:lstStyle/>
+          <a:p>
+            <a:pPr algn="ctr"/>
+            <a:r>
+              <a:rPr lang="en-US" sz="1600" dirty="0"/>
+              <a:t>Composition</a:t>
+            </a:r>
+            <a:br>
+              <a:rPr lang="en-US" sz="1600" dirty="0"/>
+            </a:br>
+            <a:r>
+              <a:rPr lang="en-US" sz="1600" dirty="0"/>
+              <a:t>Playlist</a:t>
+            </a:r>
+          </a:p>
+        </p:txBody>
+      </p:sp>
+      <p:grpSp>
+        <p:nvGrpSpPr>
+          <p:cNvPr id="3" name="Group 2">
+            <a:extLst>
+              <a:ext uri="{FF2B5EF4-FFF2-40B4-BE49-F238E27FC236}">
+                <a16:creationId xmlns:a16="http://schemas.microsoft.com/office/drawing/2014/main" id="{F5888CE4-7386-0842-9BA3-835D862C01F4}"/>
+              </a:ext>
+            </a:extLst>
+          </p:cNvPr>
+          <p:cNvGrpSpPr/>
+          <p:nvPr/>
+        </p:nvGrpSpPr>
+        <p:grpSpPr>
+          <a:xfrm>
+            <a:off x="2743200" y="895350"/>
+            <a:ext cx="1676400" cy="290565"/>
+            <a:chOff x="2743200" y="1828929"/>
+            <a:chExt cx="1676400" cy="290565"/>
+          </a:xfrm>
+        </p:grpSpPr>
+        <p:sp>
+          <p:nvSpPr>
+            <p:cNvPr id="16" name="Left Bracket 15">
+              <a:extLst>
+                <a:ext uri="{FF2B5EF4-FFF2-40B4-BE49-F238E27FC236}">
+                  <a16:creationId xmlns:a16="http://schemas.microsoft.com/office/drawing/2014/main" id="{798A5C2B-7A5F-43EC-B992-834FE188920E}"/>
+                </a:ext>
+              </a:extLst>
+            </p:cNvPr>
+            <p:cNvSpPr/>
+            <p:nvPr/>
+          </p:nvSpPr>
+          <p:spPr>
+            <a:xfrm rot="5400000">
+              <a:off x="3552444" y="1252339"/>
+              <a:ext cx="57911" cy="1676400"/>
+            </a:xfrm>
+            <a:prstGeom prst="leftBracket">
+              <a:avLst/>
+            </a:prstGeom>
+            <a:ln w="12700"/>
+          </p:spPr>
+          <p:style>
+            <a:lnRef idx="1">
+              <a:schemeClr val="dk1"/>
+            </a:lnRef>
+            <a:fillRef idx="0">
+              <a:schemeClr val="dk1"/>
+            </a:fillRef>
+            <a:effectRef idx="0">
+              <a:schemeClr val="dk1"/>
+            </a:effectRef>
+            <a:fontRef idx="minor">
+              <a:schemeClr val="tx1"/>
+            </a:fontRef>
+          </p:style>
+          <p:txBody>
+            <a:bodyPr rtlCol="0" anchor="ctr"/>
+            <a:lstStyle/>
+            <a:p>
+              <a:pPr algn="ctr"/>
+              <a:endParaRPr lang="en-GB"/>
+            </a:p>
+          </p:txBody>
+        </p:sp>
+        <p:sp>
+          <p:nvSpPr>
+            <p:cNvPr id="17" name="TextBox 16">
+              <a:extLst>
+                <a:ext uri="{FF2B5EF4-FFF2-40B4-BE49-F238E27FC236}">
+                  <a16:creationId xmlns:a16="http://schemas.microsoft.com/office/drawing/2014/main" id="{D29409A5-EB70-4B0D-9471-110AA583501A}"/>
+                </a:ext>
+              </a:extLst>
+            </p:cNvPr>
+            <p:cNvSpPr txBox="1"/>
+            <p:nvPr/>
+          </p:nvSpPr>
+          <p:spPr>
+            <a:xfrm>
+              <a:off x="3037019" y="1828929"/>
+              <a:ext cx="1088760" cy="261610"/>
+            </a:xfrm>
+            <a:prstGeom prst="rect">
+              <a:avLst/>
+            </a:prstGeom>
+            <a:noFill/>
+          </p:spPr>
+          <p:txBody>
+            <a:bodyPr wrap="none" rtlCol="0">
+              <a:spAutoFit/>
+            </a:bodyPr>
+            <a:lstStyle/>
+            <a:p>
+              <a:r>
+                <a:rPr lang="en-GB" sz="1100" dirty="0"/>
+                <a:t>Playable Region</a:t>
+              </a:r>
+            </a:p>
+          </p:txBody>
+        </p:sp>
+      </p:grpSp>
+      <p:sp>
+        <p:nvSpPr>
+          <p:cNvPr id="18" name="TextBox 17">
+            <a:extLst>
+              <a:ext uri="{FF2B5EF4-FFF2-40B4-BE49-F238E27FC236}">
+                <a16:creationId xmlns:a16="http://schemas.microsoft.com/office/drawing/2014/main" id="{B8E4A123-4B21-4611-BCA2-11A6758D3FB4}"/>
+              </a:ext>
+            </a:extLst>
+          </p:cNvPr>
+          <p:cNvSpPr txBox="1"/>
+          <p:nvPr/>
+        </p:nvSpPr>
+        <p:spPr>
+          <a:xfrm>
+            <a:off x="152400" y="4552950"/>
+            <a:ext cx="2448234" cy="369332"/>
+          </a:xfrm>
+          <a:prstGeom prst="rect">
+            <a:avLst/>
+          </a:prstGeom>
+          <a:noFill/>
+        </p:spPr>
+        <p:txBody>
+          <a:bodyPr wrap="none" rtlCol="0">
+            <a:spAutoFit/>
+          </a:bodyPr>
+          <a:lstStyle/>
+          <a:p>
+            <a:r>
+              <a:rPr lang="en-GB" dirty="0"/>
+              <a:t>6.2.2 Timeline Trimming</a:t>
+            </a:r>
+          </a:p>
+        </p:txBody>
+      </p:sp>
+      <p:sp>
+        <p:nvSpPr>
+          <p:cNvPr id="19" name="Rectangle 18">
+            <a:extLst>
+              <a:ext uri="{FF2B5EF4-FFF2-40B4-BE49-F238E27FC236}">
+                <a16:creationId xmlns:a16="http://schemas.microsoft.com/office/drawing/2014/main" id="{3144C359-E97D-434A-8F16-24AD2107B26C}"/>
               </a:ext>
             </a:extLst>
           </p:cNvPr>
@@ -4816,15 +4913,104 @@
         </p:nvSpPr>
         <p:spPr>
           <a:xfrm>
-            <a:off x="2743200" y="2343150"/>
+            <a:off x="2743200" y="1248549"/>
             <a:ext cx="1676400" cy="228600"/>
           </a:xfrm>
           <a:prstGeom prst="rect">
             <a:avLst/>
           </a:prstGeom>
-          <a:solidFill>
-            <a:schemeClr val="accent6"/>
-          </a:solidFill>
+        </p:spPr>
+        <p:style>
+          <a:lnRef idx="2">
+            <a:schemeClr val="accent1">
+              <a:shade val="50000"/>
+            </a:schemeClr>
+          </a:lnRef>
+          <a:fillRef idx="1">
+            <a:schemeClr val="accent1"/>
+          </a:fillRef>
+          <a:effectRef idx="0">
+            <a:schemeClr val="accent1"/>
+          </a:effectRef>
+          <a:fontRef idx="minor">
+            <a:schemeClr val="lt1"/>
+          </a:fontRef>
+        </p:style>
+        <p:txBody>
+          <a:bodyPr rtlCol="0" anchor="ctr"/>
+          <a:lstStyle/>
+          <a:p>
+            <a:pPr algn="ctr"/>
+            <a:endParaRPr lang="en-US"/>
+          </a:p>
+        </p:txBody>
+      </p:sp>
+      <p:sp>
+        <p:nvSpPr>
+          <p:cNvPr id="20" name="Rectangle 19">
+            <a:extLst>
+              <a:ext uri="{FF2B5EF4-FFF2-40B4-BE49-F238E27FC236}">
+                <a16:creationId xmlns:a16="http://schemas.microsoft.com/office/drawing/2014/main" id="{827AB5F9-A4A3-5644-A2F1-D19299A25374}"/>
+              </a:ext>
+            </a:extLst>
+          </p:cNvPr>
+          <p:cNvSpPr/>
+          <p:nvPr/>
+        </p:nvSpPr>
+        <p:spPr>
+          <a:xfrm>
+            <a:off x="2743200" y="1529149"/>
+            <a:ext cx="1676400" cy="228600"/>
+          </a:xfrm>
+          <a:prstGeom prst="rect">
+            <a:avLst/>
+          </a:prstGeom>
+        </p:spPr>
+        <p:style>
+          <a:lnRef idx="2">
+            <a:schemeClr val="accent3">
+              <a:shade val="50000"/>
+            </a:schemeClr>
+          </a:lnRef>
+          <a:fillRef idx="1">
+            <a:schemeClr val="accent3"/>
+          </a:fillRef>
+          <a:effectRef idx="0">
+            <a:schemeClr val="accent3"/>
+          </a:effectRef>
+          <a:fontRef idx="minor">
+            <a:schemeClr val="lt1"/>
+          </a:fontRef>
+        </p:style>
+        <p:txBody>
+          <a:bodyPr rtlCol="0" anchor="ctr"/>
+          <a:lstStyle/>
+          <a:p>
+            <a:pPr algn="ctr"/>
+            <a:endParaRPr lang="en-US"/>
+          </a:p>
+        </p:txBody>
+      </p:sp>
+      <p:sp>
+        <p:nvSpPr>
+          <p:cNvPr id="21" name="Rectangle 20">
+            <a:extLst>
+              <a:ext uri="{FF2B5EF4-FFF2-40B4-BE49-F238E27FC236}">
+                <a16:creationId xmlns:a16="http://schemas.microsoft.com/office/drawing/2014/main" id="{D63FF114-5ECC-234F-A04E-AE8F1CD4F377}"/>
+              </a:ext>
+            </a:extLst>
+          </p:cNvPr>
+          <p:cNvSpPr/>
+          <p:nvPr/>
+        </p:nvSpPr>
+        <p:spPr>
+          <a:xfrm>
+            <a:off x="2743200" y="1833949"/>
+            <a:ext cx="1676400" cy="228600"/>
+          </a:xfrm>
+          <a:prstGeom prst="rect">
+            <a:avLst/>
+          </a:prstGeom>
         </p:spPr>
         <p:style>
           <a:lnRef idx="2">
@@ -4853,10 +5039,10 @@
       </p:sp>
       <p:sp>
         <p:nvSpPr>
-          <p:cNvPr id="14" name="TextBox 13">
+          <p:cNvPr id="22" name="TextBox 21">
             <a:extLst>
               <a:ext uri="{FF2B5EF4-FFF2-40B4-BE49-F238E27FC236}">
-                <a16:creationId xmlns:a16="http://schemas.microsoft.com/office/drawing/2014/main" id="{B9D548AA-C27F-410E-A2BD-9CAE3D4B5D41}"/>
+                <a16:creationId xmlns:a16="http://schemas.microsoft.com/office/drawing/2014/main" id="{F5EA1404-BA8D-1F48-AA9F-EE35EB30E612}"/>
               </a:ext>
             </a:extLst>
           </p:cNvPr>
@@ -4865,8 +5051,8 @@
         </p:nvSpPr>
         <p:spPr>
           <a:xfrm>
-            <a:off x="5257799" y="2266950"/>
-            <a:ext cx="1523983" cy="338554"/>
+            <a:off x="5257800" y="1200150"/>
+            <a:ext cx="2209800" cy="261610"/>
           </a:xfrm>
           <a:prstGeom prst="rect">
             <a:avLst/>
@@ -4880,24 +5066,24 @@
           <a:lstStyle/>
           <a:p>
             <a:r>
-              <a:rPr lang="en-US" sz="1600" dirty="0">
+              <a:rPr lang="en-US" sz="1100" dirty="0">
                 <a:solidFill>
                   <a:schemeClr val="bg2">
                     <a:lumMod val="25000"/>
                   </a:schemeClr>
                 </a:solidFill>
               </a:rPr>
-              <a:t>Subtitle track</a:t>
-            </a:r>
-          </a:p>
-        </p:txBody>
-      </p:sp>
-      <p:sp>
-        <p:nvSpPr>
-          <p:cNvPr id="15" name="TextBox 14">
+              <a:t>Virtual Video Track</a:t>
+            </a:r>
+          </a:p>
+        </p:txBody>
+      </p:sp>
+      <p:sp>
+        <p:nvSpPr>
+          <p:cNvPr id="23" name="TextBox 22">
             <a:extLst>
               <a:ext uri="{FF2B5EF4-FFF2-40B4-BE49-F238E27FC236}">
-                <a16:creationId xmlns:a16="http://schemas.microsoft.com/office/drawing/2014/main" id="{34F0E8DA-155B-48CA-906E-9251260C55FF}"/>
+                <a16:creationId xmlns:a16="http://schemas.microsoft.com/office/drawing/2014/main" id="{6F29A8BF-87F2-1944-9D00-E7FEDDF581C8}"/>
               </a:ext>
             </a:extLst>
           </p:cNvPr>
@@ -4905,9 +5091,9 @@
           <p:nvPr/>
         </p:nvSpPr>
         <p:spPr>
-          <a:xfrm rot="16200000">
-            <a:off x="1442262" y="1524685"/>
-            <a:ext cx="1447802" cy="646331"/>
+          <a:xfrm>
+            <a:off x="5257800" y="1504950"/>
+            <a:ext cx="2209800" cy="261610"/>
           </a:xfrm>
           <a:prstGeom prst="rect">
             <a:avLst/>
@@ -4915,77 +5101,30 @@
           <a:noFill/>
         </p:spPr>
         <p:txBody>
-          <a:bodyPr wrap="square">
+          <a:bodyPr wrap="square" rtlCol="0">
             <a:spAutoFit/>
           </a:bodyPr>
           <a:lstStyle/>
           <a:p>
-            <a:pPr algn="ctr"/>
-            <a:r>
-              <a:rPr lang="en-US" dirty="0"/>
-              <a:t>Composition</a:t>
-            </a:r>
-            <a:br>
-              <a:rPr lang="en-US" dirty="0"/>
-            </a:br>
-            <a:r>
-              <a:rPr lang="en-US" dirty="0"/>
-              <a:t>Playlist</a:t>
-            </a:r>
-          </a:p>
-        </p:txBody>
-      </p:sp>
-      <p:sp>
-        <p:nvSpPr>
-          <p:cNvPr id="16" name="Left Bracket 15">
+            <a:r>
+              <a:rPr lang="en-US" sz="1100" dirty="0">
+                <a:solidFill>
+                  <a:schemeClr val="bg2">
+                    <a:lumMod val="25000"/>
+                  </a:schemeClr>
+                </a:solidFill>
+              </a:rPr>
+              <a:t>Virtual Audio Track</a:t>
+            </a:r>
+          </a:p>
+        </p:txBody>
+      </p:sp>
+      <p:sp>
+        <p:nvSpPr>
+          <p:cNvPr id="24" name="TextBox 23">
             <a:extLst>
               <a:ext uri="{FF2B5EF4-FFF2-40B4-BE49-F238E27FC236}">
-                <a16:creationId xmlns:a16="http://schemas.microsoft.com/office/drawing/2014/main" id="{798A5C2B-7A5F-43EC-B992-834FE188920E}"/>
-              </a:ext>
-            </a:extLst>
-          </p:cNvPr>
-          <p:cNvSpPr/>
-          <p:nvPr/>
-        </p:nvSpPr>
-        <p:spPr>
-          <a:xfrm rot="5400000">
-            <a:off x="3552444" y="490339"/>
-            <a:ext cx="57911" cy="1676400"/>
-          </a:xfrm>
-          <a:prstGeom prst="leftBracket">
-            <a:avLst/>
-          </a:prstGeom>
-          <a:ln w="12700"/>
-        </p:spPr>
-        <p:style>
-          <a:lnRef idx="1">
-            <a:schemeClr val="dk1"/>
-          </a:lnRef>
-          <a:fillRef idx="0">
-            <a:schemeClr val="dk1"/>
-          </a:fillRef>
-          <a:effectRef idx="0">
-            <a:schemeClr val="dk1"/>
-          </a:effectRef>
-          <a:fontRef idx="minor">
-            <a:schemeClr val="tx1"/>
-          </a:fontRef>
-        </p:style>
-        <p:txBody>
-          <a:bodyPr rtlCol="0" anchor="ctr"/>
-          <a:lstStyle/>
-          <a:p>
-            <a:pPr algn="ctr"/>
-            <a:endParaRPr lang="en-GB"/>
-          </a:p>
-        </p:txBody>
-      </p:sp>
-      <p:sp>
-        <p:nvSpPr>
-          <p:cNvPr id="17" name="TextBox 16">
-            <a:extLst>
-              <a:ext uri="{FF2B5EF4-FFF2-40B4-BE49-F238E27FC236}">
-                <a16:creationId xmlns:a16="http://schemas.microsoft.com/office/drawing/2014/main" id="{D29409A5-EB70-4B0D-9471-110AA583501A}"/>
+                <a16:creationId xmlns:a16="http://schemas.microsoft.com/office/drawing/2014/main" id="{B21C85DB-B0B9-1341-9686-406CAB59F4BB}"/>
               </a:ext>
             </a:extLst>
           </p:cNvPr>
@@ -4994,8 +5133,8 @@
         </p:nvSpPr>
         <p:spPr>
           <a:xfrm>
-            <a:off x="3037019" y="1066929"/>
-            <a:ext cx="1088760" cy="261610"/>
+            <a:off x="5257800" y="1809750"/>
+            <a:ext cx="2133600" cy="261610"/>
           </a:xfrm>
           <a:prstGeom prst="rect">
             <a:avLst/>
@@ -5003,53 +5142,164 @@
           <a:noFill/>
         </p:spPr>
         <p:txBody>
-          <a:bodyPr wrap="none" rtlCol="0">
+          <a:bodyPr wrap="square" rtlCol="0">
             <a:spAutoFit/>
           </a:bodyPr>
           <a:lstStyle/>
           <a:p>
             <a:r>
-              <a:rPr lang="en-GB" sz="1100" dirty="0"/>
-              <a:t>Playable Region</a:t>
-            </a:r>
-          </a:p>
-        </p:txBody>
-      </p:sp>
-      <p:sp>
-        <p:nvSpPr>
-          <p:cNvPr id="18" name="TextBox 17">
+              <a:rPr lang="en-US" sz="1100" dirty="0">
+                <a:solidFill>
+                  <a:schemeClr val="bg2">
+                    <a:lumMod val="25000"/>
+                  </a:schemeClr>
+                </a:solidFill>
+              </a:rPr>
+              <a:t>Virtual Timed Text Track</a:t>
+            </a:r>
+          </a:p>
+        </p:txBody>
+      </p:sp>
+      <p:cxnSp>
+        <p:nvCxnSpPr>
+          <p:cNvPr id="26" name="Elbow Connector 25">
             <a:extLst>
               <a:ext uri="{FF2B5EF4-FFF2-40B4-BE49-F238E27FC236}">
-                <a16:creationId xmlns:a16="http://schemas.microsoft.com/office/drawing/2014/main" id="{B8E4A123-4B21-4611-BCA2-11A6758D3FB4}"/>
+                <a16:creationId xmlns:a16="http://schemas.microsoft.com/office/drawing/2014/main" id="{3A4BF147-D90F-634D-B610-DBD63755A3BE}"/>
               </a:ext>
             </a:extLst>
           </p:cNvPr>
-          <p:cNvSpPr txBox="1"/>
+          <p:cNvCxnSpPr>
+            <a:stCxn id="7" idx="1"/>
+            <a:endCxn id="21" idx="1"/>
+          </p:cNvCxnSpPr>
           <p:nvPr/>
-        </p:nvSpPr>
+        </p:nvCxnSpPr>
         <p:spPr>
-          <a:xfrm>
-            <a:off x="152400" y="4552950"/>
-            <a:ext cx="2448234" cy="369332"/>
+          <a:xfrm rot="10800000">
+            <a:off x="2743200" y="1948250"/>
+            <a:ext cx="12700" cy="928301"/>
           </a:xfrm>
-          <a:prstGeom prst="rect">
-            <a:avLst/>
+          <a:prstGeom prst="bentConnector3">
+            <a:avLst>
+              <a:gd name="adj1" fmla="val 1602732"/>
+            </a:avLst>
           </a:prstGeom>
-          <a:noFill/>
+          <a:ln>
+            <a:solidFill>
+              <a:schemeClr val="accent6">
+                <a:lumMod val="75000"/>
+              </a:schemeClr>
+            </a:solidFill>
+            <a:tailEnd type="triangle"/>
+          </a:ln>
         </p:spPr>
-        <p:txBody>
-          <a:bodyPr wrap="none" rtlCol="0">
-            <a:spAutoFit/>
-          </a:bodyPr>
-          <a:lstStyle/>
-          <a:p>
-            <a:r>
-              <a:rPr lang="en-GB" dirty="0"/>
-              <a:t>6.2.2 Timeline Trimming</a:t>
-            </a:r>
-          </a:p>
-        </p:txBody>
-      </p:sp>
+        <p:style>
+          <a:lnRef idx="1">
+            <a:schemeClr val="accent1"/>
+          </a:lnRef>
+          <a:fillRef idx="0">
+            <a:schemeClr val="accent1"/>
+          </a:fillRef>
+          <a:effectRef idx="0">
+            <a:schemeClr val="accent1"/>
+          </a:effectRef>
+          <a:fontRef idx="minor">
+            <a:schemeClr val="tx1"/>
+          </a:fontRef>
+        </p:style>
+      </p:cxnSp>
+      <p:cxnSp>
+        <p:nvCxnSpPr>
+          <p:cNvPr id="30" name="Elbow Connector 29">
+            <a:extLst>
+              <a:ext uri="{FF2B5EF4-FFF2-40B4-BE49-F238E27FC236}">
+                <a16:creationId xmlns:a16="http://schemas.microsoft.com/office/drawing/2014/main" id="{8D8F1EF9-7E47-4D4D-BF1C-027813400993}"/>
+              </a:ext>
+            </a:extLst>
+          </p:cNvPr>
+          <p:cNvCxnSpPr>
+            <a:stCxn id="8" idx="1"/>
+            <a:endCxn id="20" idx="1"/>
+          </p:cNvCxnSpPr>
+          <p:nvPr/>
+        </p:nvCxnSpPr>
+        <p:spPr>
+          <a:xfrm rot="10800000">
+            <a:off x="2743200" y="1643450"/>
+            <a:ext cx="12700" cy="928301"/>
+          </a:xfrm>
+          <a:prstGeom prst="bentConnector3">
+            <a:avLst>
+              <a:gd name="adj1" fmla="val 2983567"/>
+            </a:avLst>
+          </a:prstGeom>
+          <a:ln>
+            <a:solidFill>
+              <a:srgbClr val="92D050"/>
+            </a:solidFill>
+            <a:tailEnd type="triangle"/>
+          </a:ln>
+        </p:spPr>
+        <p:style>
+          <a:lnRef idx="1">
+            <a:schemeClr val="accent1"/>
+          </a:lnRef>
+          <a:fillRef idx="0">
+            <a:schemeClr val="accent1"/>
+          </a:fillRef>
+          <a:effectRef idx="0">
+            <a:schemeClr val="accent1"/>
+          </a:effectRef>
+          <a:fontRef idx="minor">
+            <a:schemeClr val="tx1"/>
+          </a:fontRef>
+        </p:style>
+      </p:cxnSp>
+      <p:cxnSp>
+        <p:nvCxnSpPr>
+          <p:cNvPr id="33" name="Elbow Connector 32">
+            <a:extLst>
+              <a:ext uri="{FF2B5EF4-FFF2-40B4-BE49-F238E27FC236}">
+                <a16:creationId xmlns:a16="http://schemas.microsoft.com/office/drawing/2014/main" id="{2FBBA489-578A-AD40-9227-A1D3A2DC5169}"/>
+              </a:ext>
+            </a:extLst>
+          </p:cNvPr>
+          <p:cNvCxnSpPr>
+            <a:stCxn id="5" idx="1"/>
+            <a:endCxn id="19" idx="1"/>
+          </p:cNvCxnSpPr>
+          <p:nvPr/>
+        </p:nvCxnSpPr>
+        <p:spPr>
+          <a:xfrm rot="10800000">
+            <a:off x="2743200" y="1362850"/>
+            <a:ext cx="12700" cy="904101"/>
+          </a:xfrm>
+          <a:prstGeom prst="bentConnector3">
+            <a:avLst>
+              <a:gd name="adj1" fmla="val 4660276"/>
+            </a:avLst>
+          </a:prstGeom>
+          <a:ln>
+            <a:tailEnd type="triangle"/>
+          </a:ln>
+        </p:spPr>
+        <p:style>
+          <a:lnRef idx="1">
+            <a:schemeClr val="accent1"/>
+          </a:lnRef>
+          <a:fillRef idx="0">
+            <a:schemeClr val="accent1"/>
+          </a:fillRef>
+          <a:effectRef idx="0">
+            <a:schemeClr val="accent1"/>
+          </a:effectRef>
+          <a:fontRef idx="minor">
+            <a:schemeClr val="tx1"/>
+          </a:fontRef>
+        </p:style>
+      </p:cxnSp>
     </p:spTree>
     <p:extLst>
       <p:ext uri="{BB962C8B-B14F-4D97-AF65-F5344CB8AC3E}">

--- a/diagrams/diagrams.pptx
+++ b/diagrams/diagrams.pptx
@@ -210,7 +210,7 @@
           <a:p>
             <a:fld id="{F7C6D7A8-37AF-4A0B-A72B-1C12B9FE4D41}" type="datetimeFigureOut">
               <a:rPr lang="en-US" smtClean="0"/>
-              <a:t>5/22/21</a:t>
+              <a:t>6/10/21</a:t>
             </a:fld>
             <a:endParaRPr lang="en-US"/>
           </a:p>
@@ -543,7 +543,7 @@
             <a:fld id="{1D8BD707-D9CF-40AE-B4C6-C98DA3205C09}" type="datetimeFigureOut">
               <a:rPr lang="en-US" smtClean="0"/>
               <a:pPr/>
-              <a:t>5/22/21</a:t>
+              <a:t>6/10/21</a:t>
             </a:fld>
             <a:endParaRPr lang="en-US"/>
           </a:p>
@@ -718,7 +718,7 @@
             <a:fld id="{1D8BD707-D9CF-40AE-B4C6-C98DA3205C09}" type="datetimeFigureOut">
               <a:rPr lang="en-US" smtClean="0"/>
               <a:pPr/>
-              <a:t>5/22/21</a:t>
+              <a:t>6/10/21</a:t>
             </a:fld>
             <a:endParaRPr lang="en-US"/>
           </a:p>
@@ -995,7 +995,7 @@
             <a:fld id="{1D8BD707-D9CF-40AE-B4C6-C98DA3205C09}" type="datetimeFigureOut">
               <a:rPr lang="en-US" smtClean="0"/>
               <a:pPr/>
-              <a:t>5/22/21</a:t>
+              <a:t>6/10/21</a:t>
             </a:fld>
             <a:endParaRPr lang="en-US"/>
           </a:p>
@@ -1249,7 +1249,7 @@
             <a:fld id="{1D8BD707-D9CF-40AE-B4C6-C98DA3205C09}" type="datetimeFigureOut">
               <a:rPr lang="en-US" smtClean="0"/>
               <a:pPr/>
-              <a:t>5/22/21</a:t>
+              <a:t>6/10/21</a:t>
             </a:fld>
             <a:endParaRPr lang="en-US"/>
           </a:p>
@@ -1419,7 +1419,7 @@
             <a:fld id="{1D8BD707-D9CF-40AE-B4C6-C98DA3205C09}" type="datetimeFigureOut">
               <a:rPr lang="en-US" smtClean="0"/>
               <a:pPr/>
-              <a:t>5/22/21</a:t>
+              <a:t>6/10/21</a:t>
             </a:fld>
             <a:endParaRPr lang="en-US"/>
           </a:p>
@@ -1599,7 +1599,7 @@
             <a:fld id="{1D8BD707-D9CF-40AE-B4C6-C98DA3205C09}" type="datetimeFigureOut">
               <a:rPr lang="en-US" smtClean="0"/>
               <a:pPr/>
-              <a:t>5/22/21</a:t>
+              <a:t>6/10/21</a:t>
             </a:fld>
             <a:endParaRPr lang="en-US"/>
           </a:p>
@@ -1790,7 +1790,7 @@
           <a:p>
             <a:fld id="{68B6C288-4797-4207-92F3-FCA05817CF50}" type="datetimeFigureOut">
               <a:rPr lang="en-US" smtClean="0"/>
-              <a:t>5/22/21</a:t>
+              <a:t>6/10/21</a:t>
             </a:fld>
             <a:endParaRPr lang="en-US"/>
           </a:p>
@@ -2036,7 +2036,7 @@
             <a:fld id="{1D8BD707-D9CF-40AE-B4C6-C98DA3205C09}" type="datetimeFigureOut">
               <a:rPr lang="en-US" smtClean="0"/>
               <a:pPr/>
-              <a:t>5/22/21</a:t>
+              <a:t>6/10/21</a:t>
             </a:fld>
             <a:endParaRPr lang="en-US"/>
           </a:p>
@@ -2206,7 +2206,7 @@
             <a:fld id="{1D8BD707-D9CF-40AE-B4C6-C98DA3205C09}" type="datetimeFigureOut">
               <a:rPr lang="en-US" smtClean="0"/>
               <a:pPr/>
-              <a:t>5/22/21</a:t>
+              <a:t>6/10/21</a:t>
             </a:fld>
             <a:endParaRPr lang="en-US"/>
           </a:p>
@@ -2461,7 +2461,7 @@
             <a:fld id="{1D8BD707-D9CF-40AE-B4C6-C98DA3205C09}" type="datetimeFigureOut">
               <a:rPr lang="en-US" smtClean="0"/>
               <a:pPr/>
-              <a:t>5/22/21</a:t>
+              <a:t>6/10/21</a:t>
             </a:fld>
             <a:endParaRPr lang="en-US"/>
           </a:p>
@@ -2712,7 +2712,7 @@
             <a:fld id="{1D8BD707-D9CF-40AE-B4C6-C98DA3205C09}" type="datetimeFigureOut">
               <a:rPr lang="en-US" smtClean="0"/>
               <a:pPr/>
-              <a:t>5/22/21</a:t>
+              <a:t>6/10/21</a:t>
             </a:fld>
             <a:endParaRPr lang="en-US"/>
           </a:p>
@@ -2963,7 +2963,7 @@
             <a:fld id="{1D8BD707-D9CF-40AE-B4C6-C98DA3205C09}" type="datetimeFigureOut">
               <a:rPr lang="en-US" smtClean="0"/>
               <a:pPr/>
-              <a:t>5/22/21</a:t>
+              <a:t>6/10/21</a:t>
             </a:fld>
             <a:endParaRPr lang="en-US"/>
           </a:p>
@@ -3250,7 +3250,7 @@
             <a:fld id="{1D8BD707-D9CF-40AE-B4C6-C98DA3205C09}" type="datetimeFigureOut">
               <a:rPr lang="en-US" smtClean="0"/>
               <a:pPr/>
-              <a:t>5/22/21</a:t>
+              <a:t>6/10/21</a:t>
             </a:fld>
             <a:endParaRPr lang="en-US"/>
           </a:p>
@@ -3671,7 +3671,7 @@
             <a:fld id="{1D8BD707-D9CF-40AE-B4C6-C98DA3205C09}" type="datetimeFigureOut">
               <a:rPr lang="en-US" smtClean="0"/>
               <a:pPr/>
-              <a:t>5/22/21</a:t>
+              <a:t>6/10/21</a:t>
             </a:fld>
             <a:endParaRPr lang="en-US"/>
           </a:p>
@@ -3790,7 +3790,7 @@
             <a:fld id="{1D8BD707-D9CF-40AE-B4C6-C98DA3205C09}" type="datetimeFigureOut">
               <a:rPr lang="en-US" smtClean="0"/>
               <a:pPr/>
-              <a:t>5/22/21</a:t>
+              <a:t>6/10/21</a:t>
             </a:fld>
             <a:endParaRPr lang="en-US"/>
           </a:p>
@@ -4003,7 +4003,7 @@
             <a:fld id="{1D8BD707-D9CF-40AE-B4C6-C98DA3205C09}" type="datetimeFigureOut">
               <a:rPr lang="en-US" smtClean="0"/>
               <a:pPr/>
-              <a:t>5/22/21</a:t>
+              <a:t>6/10/21</a:t>
             </a:fld>
             <a:endParaRPr lang="en-US"/>
           </a:p>
@@ -4402,7 +4402,7 @@
         </p:nvSpPr>
         <p:spPr>
           <a:xfrm>
-            <a:off x="2743200" y="2152650"/>
+            <a:off x="2743200" y="2519749"/>
             <a:ext cx="2514600" cy="228600"/>
           </a:xfrm>
           <a:prstGeom prst="rect">
@@ -4456,7 +4456,7 @@
         </p:nvSpPr>
         <p:spPr>
           <a:xfrm>
-            <a:off x="2743200" y="2762250"/>
+            <a:off x="2743200" y="3129349"/>
             <a:ext cx="1676400" cy="228600"/>
           </a:xfrm>
           <a:prstGeom prst="rect">
@@ -4510,7 +4510,7 @@
         </p:nvSpPr>
         <p:spPr>
           <a:xfrm>
-            <a:off x="2743200" y="2457450"/>
+            <a:off x="2743200" y="2824549"/>
             <a:ext cx="2514600" cy="228600"/>
           </a:xfrm>
           <a:prstGeom prst="rect">
@@ -4564,8 +4564,8 @@
         </p:nvSpPr>
         <p:spPr>
           <a:xfrm>
-            <a:off x="5257800" y="2128451"/>
-            <a:ext cx="1828800" cy="261610"/>
+            <a:off x="5257799" y="2495550"/>
+            <a:ext cx="1600200" cy="261610"/>
           </a:xfrm>
           <a:prstGeom prst="rect">
             <a:avLst/>
@@ -4605,8 +4605,8 @@
         </p:nvSpPr>
         <p:spPr>
           <a:xfrm>
-            <a:off x="5257800" y="2433251"/>
-            <a:ext cx="2305878" cy="261610"/>
+            <a:off x="5257799" y="2800350"/>
+            <a:ext cx="1524000" cy="261610"/>
           </a:xfrm>
           <a:prstGeom prst="rect">
             <a:avLst/>
@@ -4646,8 +4646,8 @@
         </p:nvSpPr>
         <p:spPr>
           <a:xfrm>
-            <a:off x="5257799" y="2738051"/>
-            <a:ext cx="1921556" cy="261610"/>
+            <a:off x="5257799" y="3105150"/>
+            <a:ext cx="1676401" cy="261610"/>
           </a:xfrm>
           <a:prstGeom prst="rect">
             <a:avLst/>
@@ -4688,7 +4688,7 @@
         <p:spPr>
           <a:xfrm>
             <a:off x="1905000" y="742950"/>
-            <a:ext cx="5029200" cy="2590800"/>
+            <a:ext cx="5029200" cy="1524000"/>
           </a:xfrm>
           <a:prstGeom prst="foldedCorner">
             <a:avLst>
@@ -4734,7 +4734,7 @@
         </p:nvSpPr>
         <p:spPr>
           <a:xfrm rot="16200000">
-            <a:off x="742266" y="1784064"/>
+            <a:off x="711488" y="1174463"/>
             <a:ext cx="1447802" cy="584775"/>
           </a:xfrm>
           <a:prstGeom prst="rect">
@@ -4763,107 +4763,41 @@
           </a:p>
         </p:txBody>
       </p:sp>
-      <p:grpSp>
-        <p:nvGrpSpPr>
-          <p:cNvPr id="3" name="Group 2">
+      <p:sp>
+        <p:nvSpPr>
+          <p:cNvPr id="17" name="TextBox 16">
             <a:extLst>
               <a:ext uri="{FF2B5EF4-FFF2-40B4-BE49-F238E27FC236}">
-                <a16:creationId xmlns:a16="http://schemas.microsoft.com/office/drawing/2014/main" id="{F5888CE4-7386-0842-9BA3-835D862C01F4}"/>
+                <a16:creationId xmlns:a16="http://schemas.microsoft.com/office/drawing/2014/main" id="{D29409A5-EB70-4B0D-9471-110AA583501A}"/>
               </a:ext>
             </a:extLst>
           </p:cNvPr>
-          <p:cNvGrpSpPr/>
+          <p:cNvSpPr txBox="1"/>
           <p:nvPr/>
-        </p:nvGrpSpPr>
-        <p:grpSpPr>
+        </p:nvSpPr>
+        <p:spPr>
           <a:xfrm>
-            <a:off x="2743200" y="895350"/>
-            <a:ext cx="1676400" cy="290565"/>
-            <a:chOff x="2743200" y="1828929"/>
-            <a:chExt cx="1676400" cy="290565"/>
-          </a:xfrm>
-        </p:grpSpPr>
-        <p:sp>
-          <p:nvSpPr>
-            <p:cNvPr id="16" name="Left Bracket 15">
-              <a:extLst>
-                <a:ext uri="{FF2B5EF4-FFF2-40B4-BE49-F238E27FC236}">
-                  <a16:creationId xmlns:a16="http://schemas.microsoft.com/office/drawing/2014/main" id="{798A5C2B-7A5F-43EC-B992-834FE188920E}"/>
-                </a:ext>
-              </a:extLst>
-            </p:cNvPr>
-            <p:cNvSpPr/>
-            <p:nvPr/>
-          </p:nvSpPr>
-          <p:spPr>
-            <a:xfrm rot="5400000">
-              <a:off x="3552444" y="1252339"/>
-              <a:ext cx="57911" cy="1676400"/>
-            </a:xfrm>
-            <a:prstGeom prst="leftBracket">
-              <a:avLst/>
-            </a:prstGeom>
-            <a:ln w="12700"/>
-          </p:spPr>
-          <p:style>
-            <a:lnRef idx="1">
-              <a:schemeClr val="dk1"/>
-            </a:lnRef>
-            <a:fillRef idx="0">
-              <a:schemeClr val="dk1"/>
-            </a:fillRef>
-            <a:effectRef idx="0">
-              <a:schemeClr val="dk1"/>
-            </a:effectRef>
-            <a:fontRef idx="minor">
-              <a:schemeClr val="tx1"/>
-            </a:fontRef>
-          </p:style>
-          <p:txBody>
-            <a:bodyPr rtlCol="0" anchor="ctr"/>
-            <a:lstStyle/>
-            <a:p>
-              <a:pPr algn="ctr"/>
-              <a:endParaRPr lang="en-GB"/>
-            </a:p>
-          </p:txBody>
-        </p:sp>
-        <p:sp>
-          <p:nvSpPr>
-            <p:cNvPr id="17" name="TextBox 16">
-              <a:extLst>
-                <a:ext uri="{FF2B5EF4-FFF2-40B4-BE49-F238E27FC236}">
-                  <a16:creationId xmlns:a16="http://schemas.microsoft.com/office/drawing/2014/main" id="{D29409A5-EB70-4B0D-9471-110AA583501A}"/>
-                </a:ext>
-              </a:extLst>
-            </p:cNvPr>
-            <p:cNvSpPr txBox="1"/>
-            <p:nvPr/>
-          </p:nvSpPr>
-          <p:spPr>
-            <a:xfrm>
-              <a:off x="3037019" y="1828929"/>
-              <a:ext cx="1088760" cy="261610"/>
-            </a:xfrm>
-            <a:prstGeom prst="rect">
-              <a:avLst/>
-            </a:prstGeom>
-            <a:noFill/>
-          </p:spPr>
-          <p:txBody>
-            <a:bodyPr wrap="none" rtlCol="0">
-              <a:spAutoFit/>
-            </a:bodyPr>
-            <a:lstStyle/>
-            <a:p>
-              <a:r>
-                <a:rPr lang="en-GB" sz="1100" dirty="0"/>
-                <a:t>Playable Region</a:t>
-              </a:r>
-            </a:p>
-          </p:txBody>
-        </p:sp>
-      </p:grpSp>
+            <a:off x="3037020" y="3486150"/>
+            <a:ext cx="1088760" cy="261610"/>
+          </a:xfrm>
+          <a:prstGeom prst="rect">
+            <a:avLst/>
+          </a:prstGeom>
+          <a:noFill/>
+        </p:spPr>
+        <p:txBody>
+          <a:bodyPr wrap="none" rtlCol="0">
+            <a:spAutoFit/>
+          </a:bodyPr>
+          <a:lstStyle/>
+          <a:p>
+            <a:r>
+              <a:rPr lang="en-GB" sz="1100" dirty="0"/>
+              <a:t>Playable Region</a:t>
+            </a:r>
+          </a:p>
+        </p:txBody>
+      </p:sp>
       <p:sp>
         <p:nvSpPr>
           <p:cNvPr id="18" name="TextBox 17">
@@ -5177,21 +5111,20 @@
         </p:nvCxnSpPr>
         <p:spPr>
           <a:xfrm rot="10800000">
-            <a:off x="2743200" y="1948250"/>
-            <a:ext cx="12700" cy="928301"/>
+            <a:off x="2743200" y="1948249"/>
+            <a:ext cx="12700" cy="1295400"/>
           </a:xfrm>
           <a:prstGeom prst="bentConnector3">
             <a:avLst>
-              <a:gd name="adj1" fmla="val 1602732"/>
+              <a:gd name="adj1" fmla="val 1800000"/>
             </a:avLst>
           </a:prstGeom>
           <a:ln>
             <a:solidFill>
-              <a:schemeClr val="accent6">
-                <a:lumMod val="75000"/>
-              </a:schemeClr>
+              <a:schemeClr val="tx1"/>
             </a:solidFill>
-            <a:tailEnd type="triangle"/>
+            <a:headEnd type="triangle"/>
+            <a:tailEnd type="none"/>
           </a:ln>
         </p:spPr>
         <p:style>
@@ -5226,19 +5159,20 @@
         </p:nvCxnSpPr>
         <p:spPr>
           <a:xfrm rot="10800000">
-            <a:off x="2743200" y="1643450"/>
-            <a:ext cx="12700" cy="928301"/>
+            <a:off x="2743200" y="1643449"/>
+            <a:ext cx="12700" cy="1295400"/>
           </a:xfrm>
           <a:prstGeom prst="bentConnector3">
             <a:avLst>
-              <a:gd name="adj1" fmla="val 2983567"/>
+              <a:gd name="adj1" fmla="val 1800000"/>
             </a:avLst>
           </a:prstGeom>
           <a:ln>
             <a:solidFill>
-              <a:srgbClr val="92D050"/>
+              <a:schemeClr val="tx1"/>
             </a:solidFill>
-            <a:tailEnd type="triangle"/>
+            <a:headEnd type="triangle"/>
+            <a:tailEnd type="none"/>
           </a:ln>
         </p:spPr>
         <p:style>
@@ -5273,15 +5207,147 @@
         </p:nvCxnSpPr>
         <p:spPr>
           <a:xfrm rot="10800000">
-            <a:off x="2743200" y="1362850"/>
-            <a:ext cx="12700" cy="904101"/>
+            <a:off x="2743200" y="1362849"/>
+            <a:ext cx="12700" cy="1271200"/>
           </a:xfrm>
           <a:prstGeom prst="bentConnector3">
             <a:avLst>
-              <a:gd name="adj1" fmla="val 4660276"/>
+              <a:gd name="adj1" fmla="val 1800000"/>
             </a:avLst>
           </a:prstGeom>
           <a:ln>
+            <a:solidFill>
+              <a:schemeClr val="tx1"/>
+            </a:solidFill>
+            <a:headEnd type="triangle"/>
+            <a:tailEnd type="none"/>
+          </a:ln>
+        </p:spPr>
+        <p:style>
+          <a:lnRef idx="1">
+            <a:schemeClr val="accent1"/>
+          </a:lnRef>
+          <a:fillRef idx="0">
+            <a:schemeClr val="accent1"/>
+          </a:fillRef>
+          <a:effectRef idx="0">
+            <a:schemeClr val="accent1"/>
+          </a:effectRef>
+          <a:fontRef idx="minor">
+            <a:schemeClr val="tx1"/>
+          </a:fontRef>
+        </p:style>
+      </p:cxnSp>
+      <p:cxnSp>
+        <p:nvCxnSpPr>
+          <p:cNvPr id="4" name="Straight Connector 3">
+            <a:extLst>
+              <a:ext uri="{FF2B5EF4-FFF2-40B4-BE49-F238E27FC236}">
+                <a16:creationId xmlns:a16="http://schemas.microsoft.com/office/drawing/2014/main" id="{18A2903B-F9C9-DE45-8F7A-F3DE00E0B511}"/>
+              </a:ext>
+            </a:extLst>
+          </p:cNvPr>
+          <p:cNvCxnSpPr>
+            <a:cxnSpLocks/>
+          </p:cNvCxnSpPr>
+          <p:nvPr/>
+        </p:nvCxnSpPr>
+        <p:spPr>
+          <a:xfrm>
+            <a:off x="2743200" y="2343150"/>
+            <a:ext cx="0" cy="1219200"/>
+          </a:xfrm>
+          <a:prstGeom prst="line">
+            <a:avLst/>
+          </a:prstGeom>
+          <a:ln w="25400">
+            <a:solidFill>
+              <a:schemeClr val="accent2"/>
+            </a:solidFill>
+          </a:ln>
+        </p:spPr>
+        <p:style>
+          <a:lnRef idx="1">
+            <a:schemeClr val="accent1"/>
+          </a:lnRef>
+          <a:fillRef idx="0">
+            <a:schemeClr val="accent1"/>
+          </a:fillRef>
+          <a:effectRef idx="0">
+            <a:schemeClr val="accent1"/>
+          </a:effectRef>
+          <a:fontRef idx="minor">
+            <a:schemeClr val="tx1"/>
+          </a:fontRef>
+        </p:style>
+      </p:cxnSp>
+      <p:cxnSp>
+        <p:nvCxnSpPr>
+          <p:cNvPr id="27" name="Straight Connector 26">
+            <a:extLst>
+              <a:ext uri="{FF2B5EF4-FFF2-40B4-BE49-F238E27FC236}">
+                <a16:creationId xmlns:a16="http://schemas.microsoft.com/office/drawing/2014/main" id="{264F08F1-D268-3D4C-91E4-F3D8F346153C}"/>
+              </a:ext>
+            </a:extLst>
+          </p:cNvPr>
+          <p:cNvCxnSpPr>
+            <a:cxnSpLocks/>
+          </p:cNvCxnSpPr>
+          <p:nvPr/>
+        </p:nvCxnSpPr>
+        <p:spPr>
+          <a:xfrm>
+            <a:off x="4419600" y="2343150"/>
+            <a:ext cx="0" cy="1219200"/>
+          </a:xfrm>
+          <a:prstGeom prst="line">
+            <a:avLst/>
+          </a:prstGeom>
+          <a:ln w="25400">
+            <a:solidFill>
+              <a:schemeClr val="accent2"/>
+            </a:solidFill>
+          </a:ln>
+        </p:spPr>
+        <p:style>
+          <a:lnRef idx="1">
+            <a:schemeClr val="accent1"/>
+          </a:lnRef>
+          <a:fillRef idx="0">
+            <a:schemeClr val="accent1"/>
+          </a:fillRef>
+          <a:effectRef idx="0">
+            <a:schemeClr val="accent1"/>
+          </a:effectRef>
+          <a:fontRef idx="minor">
+            <a:schemeClr val="tx1"/>
+          </a:fontRef>
+        </p:style>
+      </p:cxnSp>
+      <p:cxnSp>
+        <p:nvCxnSpPr>
+          <p:cNvPr id="25" name="Straight Arrow Connector 24">
+            <a:extLst>
+              <a:ext uri="{FF2B5EF4-FFF2-40B4-BE49-F238E27FC236}">
+                <a16:creationId xmlns:a16="http://schemas.microsoft.com/office/drawing/2014/main" id="{2198AB5F-8DF4-6145-A742-0B9D0C78FE35}"/>
+              </a:ext>
+            </a:extLst>
+          </p:cNvPr>
+          <p:cNvCxnSpPr>
+            <a:cxnSpLocks/>
+          </p:cNvCxnSpPr>
+          <p:nvPr/>
+        </p:nvCxnSpPr>
+        <p:spPr>
+          <a:xfrm>
+            <a:off x="2743200" y="3486150"/>
+            <a:ext cx="1676400" cy="0"/>
+          </a:xfrm>
+          <a:prstGeom prst="straightConnector1">
+            <a:avLst/>
+          </a:prstGeom>
+          <a:ln>
+            <a:headEnd type="triangle"/>
             <a:tailEnd type="triangle"/>
           </a:ln>
         </p:spPr>
